--- a/reports/week-4.pptx
+++ b/reports/week-4.pptx
@@ -1818,7 +1818,7 @@
           <a:lstStyle/>
           <a:p>
             <a:pPr>
-              <a:defRPr sz="1400" b="0" i="0" u="none" strike="noStrike" kern="1200" spc="0" baseline="0">
+              <a:defRPr sz="1862" b="0" i="0" u="none" strike="noStrike" kern="1200" spc="0" baseline="0">
                 <a:solidFill>
                   <a:schemeClr val="tx1">
                     <a:lumMod val="65000"/>
@@ -1850,7 +1850,7 @@
         <a:lstStyle/>
         <a:p>
           <a:pPr>
-            <a:defRPr sz="1400" b="0" i="0" u="none" strike="noStrike" kern="1200" spc="0" baseline="0">
+            <a:defRPr sz="1862" b="0" i="0" u="none" strike="noStrike" kern="1200" spc="0" baseline="0">
               <a:solidFill>
                 <a:schemeClr val="tx1">
                   <a:lumMod val="65000"/>
@@ -1876,7 +1876,7 @@
           <c:idx val="0"/>
           <c:order val="0"/>
           <c:spPr>
-            <a:ln w="19050" cap="rnd">
+            <a:ln w="25400" cap="rnd">
               <a:noFill/>
               <a:round/>
             </a:ln>
@@ -2518,6 +2518,66 @@
             <a:effectLst/>
           </c:spPr>
         </c:majorGridlines>
+        <c:title>
+          <c:tx>
+            <c:rich>
+              <a:bodyPr rot="0" spcFirstLastPara="1" vertOverflow="ellipsis" vert="horz" wrap="square" anchor="ctr" anchorCtr="1"/>
+              <a:lstStyle/>
+              <a:p>
+                <a:pPr>
+                  <a:defRPr sz="1330" b="0" i="0" u="none" strike="noStrike" kern="1200" baseline="0">
+                    <a:solidFill>
+                      <a:schemeClr val="tx1">
+                        <a:lumMod val="65000"/>
+                        <a:lumOff val="35000"/>
+                      </a:schemeClr>
+                    </a:solidFill>
+                    <a:latin typeface="+mn-lt"/>
+                    <a:ea typeface="+mn-ea"/>
+                    <a:cs typeface="+mn-cs"/>
+                  </a:defRPr>
+                </a:pPr>
+                <a:r>
+                  <a:rPr lang="en-IN" dirty="0"/>
+                  <a:t>Number</a:t>
+                </a:r>
+                <a:r>
+                  <a:rPr lang="en-IN" baseline="0" dirty="0"/>
+                  <a:t> of Sink nodes</a:t>
+                </a:r>
+                <a:endParaRPr lang="en-IN" dirty="0"/>
+              </a:p>
+            </c:rich>
+          </c:tx>
+          <c:overlay val="0"/>
+          <c:spPr>
+            <a:noFill/>
+            <a:ln>
+              <a:noFill/>
+            </a:ln>
+            <a:effectLst/>
+          </c:spPr>
+          <c:txPr>
+            <a:bodyPr rot="0" spcFirstLastPara="1" vertOverflow="ellipsis" vert="horz" wrap="square" anchor="ctr" anchorCtr="1"/>
+            <a:lstStyle/>
+            <a:p>
+              <a:pPr>
+                <a:defRPr sz="1330" b="0" i="0" u="none" strike="noStrike" kern="1200" baseline="0">
+                  <a:solidFill>
+                    <a:schemeClr val="tx1">
+                      <a:lumMod val="65000"/>
+                      <a:lumOff val="35000"/>
+                    </a:schemeClr>
+                  </a:solidFill>
+                  <a:latin typeface="+mn-lt"/>
+                  <a:ea typeface="+mn-ea"/>
+                  <a:cs typeface="+mn-cs"/>
+                </a:defRPr>
+              </a:pPr>
+              <a:endParaRPr lang="en-US"/>
+            </a:p>
+          </c:txPr>
+        </c:title>
         <c:numFmt formatCode="General" sourceLinked="1"/>
         <c:majorTickMark val="none"/>
         <c:minorTickMark val="none"/>
@@ -2540,7 +2600,7 @@
           <a:lstStyle/>
           <a:p>
             <a:pPr>
-              <a:defRPr sz="900" b="0" i="0" u="none" strike="noStrike" kern="1200" baseline="0">
+              <a:defRPr sz="1197" b="0" i="0" u="none" strike="noStrike" kern="1200" baseline="0">
                 <a:solidFill>
                   <a:schemeClr val="tx1">
                     <a:lumMod val="65000"/>
@@ -2580,6 +2640,61 @@
             <a:effectLst/>
           </c:spPr>
         </c:majorGridlines>
+        <c:title>
+          <c:tx>
+            <c:rich>
+              <a:bodyPr rot="-5400000" spcFirstLastPara="1" vertOverflow="ellipsis" vert="horz" wrap="square" anchor="ctr" anchorCtr="1"/>
+              <a:lstStyle/>
+              <a:p>
+                <a:pPr>
+                  <a:defRPr sz="1330" b="0" i="0" u="none" strike="noStrike" kern="1200" baseline="0">
+                    <a:solidFill>
+                      <a:schemeClr val="tx1">
+                        <a:lumMod val="65000"/>
+                        <a:lumOff val="35000"/>
+                      </a:schemeClr>
+                    </a:solidFill>
+                    <a:latin typeface="+mn-lt"/>
+                    <a:ea typeface="+mn-ea"/>
+                    <a:cs typeface="+mn-cs"/>
+                  </a:defRPr>
+                </a:pPr>
+                <a:r>
+                  <a:rPr lang="en-IN" dirty="0"/>
+                  <a:t>Time taken in sec</a:t>
+                </a:r>
+              </a:p>
+            </c:rich>
+          </c:tx>
+          <c:overlay val="0"/>
+          <c:spPr>
+            <a:noFill/>
+            <a:ln>
+              <a:noFill/>
+            </a:ln>
+            <a:effectLst/>
+          </c:spPr>
+          <c:txPr>
+            <a:bodyPr rot="-5400000" spcFirstLastPara="1" vertOverflow="ellipsis" vert="horz" wrap="square" anchor="ctr" anchorCtr="1"/>
+            <a:lstStyle/>
+            <a:p>
+              <a:pPr>
+                <a:defRPr sz="1330" b="0" i="0" u="none" strike="noStrike" kern="1200" baseline="0">
+                  <a:solidFill>
+                    <a:schemeClr val="tx1">
+                      <a:lumMod val="65000"/>
+                      <a:lumOff val="35000"/>
+                    </a:schemeClr>
+                  </a:solidFill>
+                  <a:latin typeface="+mn-lt"/>
+                  <a:ea typeface="+mn-ea"/>
+                  <a:cs typeface="+mn-cs"/>
+                </a:defRPr>
+              </a:pPr>
+              <a:endParaRPr lang="en-US"/>
+            </a:p>
+          </c:txPr>
+        </c:title>
         <c:numFmt formatCode="General" sourceLinked="1"/>
         <c:majorTickMark val="none"/>
         <c:minorTickMark val="none"/>
@@ -2602,7 +2717,7 @@
           <a:lstStyle/>
           <a:p>
             <a:pPr>
-              <a:defRPr sz="900" b="0" i="0" u="none" strike="noStrike" kern="1200" baseline="0">
+              <a:defRPr sz="1197" b="0" i="0" u="none" strike="noStrike" kern="1200" baseline="0">
                 <a:solidFill>
                   <a:schemeClr val="tx1">
                     <a:lumMod val="65000"/>
@@ -2629,6 +2744,37 @@
         <a:effectLst/>
       </c:spPr>
     </c:plotArea>
+    <c:legend>
+      <c:legendPos val="r"/>
+      <c:overlay val="0"/>
+      <c:spPr>
+        <a:noFill/>
+        <a:ln>
+          <a:noFill/>
+        </a:ln>
+        <a:effectLst/>
+      </c:spPr>
+      <c:txPr>
+        <a:bodyPr rot="0" spcFirstLastPara="1" vertOverflow="ellipsis" vert="horz" wrap="square" anchor="ctr" anchorCtr="1"/>
+        <a:lstStyle/>
+        <a:p>
+          <a:pPr>
+            <a:defRPr sz="1197" b="0" i="0" u="none" strike="noStrike" kern="1200" baseline="0">
+              <a:solidFill>
+                <a:schemeClr val="tx1">
+                  <a:lumMod val="65000"/>
+                  <a:lumOff val="35000"/>
+                </a:schemeClr>
+              </a:solidFill>
+              <a:latin typeface="+mn-lt"/>
+              <a:ea typeface="+mn-ea"/>
+              <a:cs typeface="+mn-cs"/>
+            </a:defRPr>
+          </a:pPr>
+          <a:endParaRPr lang="en-US"/>
+        </a:p>
+      </c:txPr>
+    </c:legend>
     <c:plotVisOnly val="1"/>
     <c:dispBlanksAs val="gap"/>
     <c:showDLblsOverMax val="0"/>
@@ -9288,7 +9434,7 @@
         <a:lumOff val="35000"/>
       </a:schemeClr>
     </cs:fontRef>
-    <cs:defRPr sz="1000" kern="1200"/>
+    <cs:defRPr sz="1330" kern="1200"/>
   </cs:axisTitle>
   <cs:categoryAxis>
     <cs:lnRef idx="0"/>
@@ -9311,7 +9457,7 @@
         <a:round/>
       </a:ln>
     </cs:spPr>
-    <cs:defRPr sz="900" kern="1200"/>
+    <cs:defRPr sz="1197" kern="1200"/>
   </cs:categoryAxis>
   <cs:chartArea mods="allowNoFillOverride allowNoLineOverride">
     <cs:lnRef idx="0"/>
@@ -9334,7 +9480,7 @@
         <a:round/>
       </a:ln>
     </cs:spPr>
-    <cs:defRPr sz="1000" kern="1200"/>
+    <cs:defRPr sz="1330" kern="1200"/>
   </cs:chartArea>
   <cs:dataLabel>
     <cs:lnRef idx="0"/>
@@ -9346,7 +9492,7 @@
         <a:lumOff val="25000"/>
       </a:schemeClr>
     </cs:fontRef>
-    <cs:defRPr sz="900" kern="1200"/>
+    <cs:defRPr sz="1197" kern="1200"/>
   </cs:dataLabel>
   <cs:dataLabelCallout>
     <cs:lnRef idx="0"/>
@@ -9371,7 +9517,7 @@
         </a:solidFill>
       </a:ln>
     </cs:spPr>
-    <cs:defRPr sz="900" kern="1200"/>
+    <cs:defRPr sz="1197" kern="1200"/>
     <cs:bodyPr rot="0" spcFirstLastPara="1" vertOverflow="clip" horzOverflow="clip" vert="horz" wrap="square" lIns="36576" tIns="18288" rIns="36576" bIns="18288" anchor="ctr" anchorCtr="1">
       <a:spAutoFit/>
     </cs:bodyPr>
@@ -9474,7 +9620,7 @@
         <a:round/>
       </a:ln>
     </cs:spPr>
-    <cs:defRPr sz="900" kern="1200"/>
+    <cs:defRPr sz="1197" kern="1200"/>
   </cs:dataTable>
   <cs:downBar>
     <cs:lnRef idx="0"/>
@@ -9639,7 +9785,7 @@
         <a:lumOff val="35000"/>
       </a:schemeClr>
     </cs:fontRef>
-    <cs:defRPr sz="900" kern="1200"/>
+    <cs:defRPr sz="1197" kern="1200"/>
   </cs:legend>
   <cs:plotArea mods="allowNoFillOverride allowNoLineOverride">
     <cs:lnRef idx="0"/>
@@ -9667,7 +9813,7 @@
         <a:lumOff val="35000"/>
       </a:schemeClr>
     </cs:fontRef>
-    <cs:defRPr sz="900" kern="1200"/>
+    <cs:defRPr sz="1197" kern="1200"/>
   </cs:seriesAxis>
   <cs:seriesLine>
     <cs:lnRef idx="0"/>
@@ -9698,7 +9844,7 @@
         <a:lumOff val="35000"/>
       </a:schemeClr>
     </cs:fontRef>
-    <cs:defRPr sz="1400" b="0" kern="1200" spc="0" baseline="0"/>
+    <cs:defRPr sz="1862" b="0" kern="1200" spc="0" baseline="0"/>
   </cs:title>
   <cs:trendline>
     <cs:lnRef idx="0">
@@ -9728,7 +9874,7 @@
         <a:lumOff val="35000"/>
       </a:schemeClr>
     </cs:fontRef>
-    <cs:defRPr sz="900" kern="1200"/>
+    <cs:defRPr sz="1197" kern="1200"/>
   </cs:trendlineLabel>
   <cs:upBar>
     <cs:lnRef idx="0"/>
@@ -9773,7 +9919,7 @@
         <a:round/>
       </a:ln>
     </cs:spPr>
-    <cs:defRPr sz="900" kern="1200"/>
+    <cs:defRPr sz="1197" kern="1200"/>
   </cs:valueAxis>
   <cs:wall>
     <cs:lnRef idx="0"/>
@@ -14414,7 +14560,7 @@
           <a:p>
             <a:fld id="{1C52D7C2-8534-4E7A-ABC4-691EAD8C514E}" type="datetimeFigureOut">
               <a:rPr lang="en-IN" smtClean="0"/>
-              <a:t>25-06-2021</a:t>
+              <a:t>04-07-2021</a:t>
             </a:fld>
             <a:endParaRPr lang="en-IN"/>
           </a:p>
@@ -14831,7 +14977,7 @@
           <a:p>
             <a:fld id="{C13FBCF6-97A0-4024-9E89-2567FE0DCFCF}" type="datetimeFigureOut">
               <a:rPr lang="en-IN" smtClean="0"/>
-              <a:t>25-06-2021</a:t>
+              <a:t>04-07-2021</a:t>
             </a:fld>
             <a:endParaRPr lang="en-IN"/>
           </a:p>
@@ -15031,7 +15177,7 @@
           <a:p>
             <a:fld id="{C13FBCF6-97A0-4024-9E89-2567FE0DCFCF}" type="datetimeFigureOut">
               <a:rPr lang="en-IN" smtClean="0"/>
-              <a:t>25-06-2021</a:t>
+              <a:t>04-07-2021</a:t>
             </a:fld>
             <a:endParaRPr lang="en-IN"/>
           </a:p>
@@ -15241,7 +15387,7 @@
           <a:p>
             <a:fld id="{C13FBCF6-97A0-4024-9E89-2567FE0DCFCF}" type="datetimeFigureOut">
               <a:rPr lang="en-IN" smtClean="0"/>
-              <a:t>25-06-2021</a:t>
+              <a:t>04-07-2021</a:t>
             </a:fld>
             <a:endParaRPr lang="en-IN"/>
           </a:p>
@@ -15441,7 +15587,7 @@
           <a:p>
             <a:fld id="{C13FBCF6-97A0-4024-9E89-2567FE0DCFCF}" type="datetimeFigureOut">
               <a:rPr lang="en-IN" smtClean="0"/>
-              <a:t>25-06-2021</a:t>
+              <a:t>04-07-2021</a:t>
             </a:fld>
             <a:endParaRPr lang="en-IN"/>
           </a:p>
@@ -15717,7 +15863,7 @@
           <a:p>
             <a:fld id="{C13FBCF6-97A0-4024-9E89-2567FE0DCFCF}" type="datetimeFigureOut">
               <a:rPr lang="en-IN" smtClean="0"/>
-              <a:t>25-06-2021</a:t>
+              <a:t>04-07-2021</a:t>
             </a:fld>
             <a:endParaRPr lang="en-IN"/>
           </a:p>
@@ -15985,7 +16131,7 @@
           <a:p>
             <a:fld id="{C13FBCF6-97A0-4024-9E89-2567FE0DCFCF}" type="datetimeFigureOut">
               <a:rPr lang="en-IN" smtClean="0"/>
-              <a:t>25-06-2021</a:t>
+              <a:t>04-07-2021</a:t>
             </a:fld>
             <a:endParaRPr lang="en-IN"/>
           </a:p>
@@ -16400,7 +16546,7 @@
           <a:p>
             <a:fld id="{C13FBCF6-97A0-4024-9E89-2567FE0DCFCF}" type="datetimeFigureOut">
               <a:rPr lang="en-IN" smtClean="0"/>
-              <a:t>25-06-2021</a:t>
+              <a:t>04-07-2021</a:t>
             </a:fld>
             <a:endParaRPr lang="en-IN"/>
           </a:p>
@@ -16542,7 +16688,7 @@
           <a:p>
             <a:fld id="{C13FBCF6-97A0-4024-9E89-2567FE0DCFCF}" type="datetimeFigureOut">
               <a:rPr lang="en-IN" smtClean="0"/>
-              <a:t>25-06-2021</a:t>
+              <a:t>04-07-2021</a:t>
             </a:fld>
             <a:endParaRPr lang="en-IN"/>
           </a:p>
@@ -16655,7 +16801,7 @@
           <a:p>
             <a:fld id="{C13FBCF6-97A0-4024-9E89-2567FE0DCFCF}" type="datetimeFigureOut">
               <a:rPr lang="en-IN" smtClean="0"/>
-              <a:t>25-06-2021</a:t>
+              <a:t>04-07-2021</a:t>
             </a:fld>
             <a:endParaRPr lang="en-IN"/>
           </a:p>
@@ -16968,7 +17114,7 @@
           <a:p>
             <a:fld id="{C13FBCF6-97A0-4024-9E89-2567FE0DCFCF}" type="datetimeFigureOut">
               <a:rPr lang="en-IN" smtClean="0"/>
-              <a:t>25-06-2021</a:t>
+              <a:t>04-07-2021</a:t>
             </a:fld>
             <a:endParaRPr lang="en-IN"/>
           </a:p>
@@ -17257,7 +17403,7 @@
           <a:p>
             <a:fld id="{C13FBCF6-97A0-4024-9E89-2567FE0DCFCF}" type="datetimeFigureOut">
               <a:rPr lang="en-IN" smtClean="0"/>
-              <a:t>25-06-2021</a:t>
+              <a:t>04-07-2021</a:t>
             </a:fld>
             <a:endParaRPr lang="en-IN"/>
           </a:p>
@@ -17500,7 +17646,7 @@
           <a:p>
             <a:fld id="{C13FBCF6-97A0-4024-9E89-2567FE0DCFCF}" type="datetimeFigureOut">
               <a:rPr lang="en-IN" smtClean="0"/>
-              <a:t>25-06-2021</a:t>
+              <a:t>04-07-2021</a:t>
             </a:fld>
             <a:endParaRPr lang="en-IN"/>
           </a:p>
@@ -18562,7 +18708,7 @@
           <p:nvPr>
             <p:extLst>
               <p:ext uri="{D42A27DB-BD31-4B8C-83A1-F6EECF244321}">
-                <p14:modId xmlns:p14="http://schemas.microsoft.com/office/powerpoint/2010/main" val="1990336964"/>
+                <p14:modId xmlns:p14="http://schemas.microsoft.com/office/powerpoint/2010/main" val="233476769"/>
               </p:ext>
             </p:extLst>
           </p:nvPr>
